--- a/img/change_log_event.pptx
+++ b/img/change_log_event.pptx
@@ -2,12 +2,12 @@
 <file path=ppt/presentation.xml><?xml version="1.0" encoding="utf-8"?>
 <p:presentation xmlns:a="http://schemas.openxmlformats.org/drawingml/2006/main" xmlns:r="http://schemas.openxmlformats.org/officeDocument/2006/relationships" xmlns:p="http://schemas.openxmlformats.org/presentationml/2006/main" saveSubsetFonts="1" autoCompressPictures="0">
   <p:sldMasterIdLst>
-    <p:sldMasterId id="2147483720" r:id="rId1"/>
+    <p:sldMasterId id="2147483732" r:id="rId1"/>
   </p:sldMasterIdLst>
   <p:sldIdLst>
     <p:sldId id="256" r:id="rId2"/>
   </p:sldIdLst>
-  <p:sldSz cx="2797175" cy="2898775"/>
+  <p:sldSz cx="4237038" cy="2898775"/>
   <p:notesSz cx="6858000" cy="9144000"/>
   <p:defaultTextStyle>
     <a:defPPr>
@@ -141,15 +141,15 @@
         </p:nvSpPr>
         <p:spPr>
           <a:xfrm>
-            <a:off x="209788" y="474406"/>
-            <a:ext cx="2377599" cy="1009203"/>
+            <a:off x="317778" y="474406"/>
+            <a:ext cx="3601482" cy="1009203"/>
           </a:xfrm>
         </p:spPr>
         <p:txBody>
           <a:bodyPr anchor="b"/>
           <a:lstStyle>
             <a:lvl1pPr algn="ctr">
-              <a:defRPr sz="1835"/>
+              <a:defRPr sz="2536"/>
             </a:lvl1pPr>
           </a:lstStyle>
           <a:p>
@@ -173,8 +173,8 @@
         </p:nvSpPr>
         <p:spPr>
           <a:xfrm>
-            <a:off x="349647" y="1522528"/>
-            <a:ext cx="2097881" cy="699866"/>
+            <a:off x="529630" y="1522528"/>
+            <a:ext cx="3177779" cy="699866"/>
           </a:xfrm>
         </p:spPr>
         <p:txBody>
@@ -182,39 +182,39 @@
           <a:lstStyle>
             <a:lvl1pPr marL="0" indent="0" algn="ctr">
               <a:buNone/>
-              <a:defRPr sz="734"/>
+              <a:defRPr sz="1014"/>
             </a:lvl1pPr>
-            <a:lvl2pPr marL="139857" indent="0" algn="ctr">
-              <a:buNone/>
-              <a:defRPr sz="612"/>
+            <a:lvl2pPr marL="193258" indent="0" algn="ctr">
+              <a:buNone/>
+              <a:defRPr sz="845"/>
             </a:lvl2pPr>
-            <a:lvl3pPr marL="279715" indent="0" algn="ctr">
-              <a:buNone/>
-              <a:defRPr sz="551"/>
+            <a:lvl3pPr marL="386517" indent="0" algn="ctr">
+              <a:buNone/>
+              <a:defRPr sz="761"/>
             </a:lvl3pPr>
-            <a:lvl4pPr marL="419572" indent="0" algn="ctr">
-              <a:buNone/>
-              <a:defRPr sz="489"/>
+            <a:lvl4pPr marL="579775" indent="0" algn="ctr">
+              <a:buNone/>
+              <a:defRPr sz="676"/>
             </a:lvl4pPr>
-            <a:lvl5pPr marL="559430" indent="0" algn="ctr">
-              <a:buNone/>
-              <a:defRPr sz="489"/>
+            <a:lvl5pPr marL="773034" indent="0" algn="ctr">
+              <a:buNone/>
+              <a:defRPr sz="676"/>
             </a:lvl5pPr>
-            <a:lvl6pPr marL="699287" indent="0" algn="ctr">
-              <a:buNone/>
-              <a:defRPr sz="489"/>
+            <a:lvl6pPr marL="966292" indent="0" algn="ctr">
+              <a:buNone/>
+              <a:defRPr sz="676"/>
             </a:lvl6pPr>
-            <a:lvl7pPr marL="839145" indent="0" algn="ctr">
-              <a:buNone/>
-              <a:defRPr sz="489"/>
+            <a:lvl7pPr marL="1159551" indent="0" algn="ctr">
+              <a:buNone/>
+              <a:defRPr sz="676"/>
             </a:lvl7pPr>
-            <a:lvl8pPr marL="979002" indent="0" algn="ctr">
-              <a:buNone/>
-              <a:defRPr sz="489"/>
+            <a:lvl8pPr marL="1352809" indent="0" algn="ctr">
+              <a:buNone/>
+              <a:defRPr sz="676"/>
             </a:lvl8pPr>
-            <a:lvl9pPr marL="1118860" indent="0" algn="ctr">
-              <a:buNone/>
-              <a:defRPr sz="489"/>
+            <a:lvl9pPr marL="1546068" indent="0" algn="ctr">
+              <a:buNone/>
+              <a:defRPr sz="676"/>
             </a:lvl9pPr>
           </a:lstStyle>
           <a:p>
@@ -243,7 +243,7 @@
           <a:p>
             <a:fld id="{5629C5A4-9A65-F04C-9969-C59ECE88808C}" type="datetimeFigureOut">
               <a:rPr lang="de-DE"/>
-              <a:t>16.06.20</a:t>
+              <a:t>16.08.20</a:t>
             </a:fld>
             <a:endParaRPr lang="de-DE"/>
           </a:p>
@@ -294,7 +294,7 @@
     </p:spTree>
     <p:extLst>
       <p:ext uri="{BB962C8B-B14F-4D97-AF65-F5344CB8AC3E}">
-        <p14:creationId xmlns:p14="http://schemas.microsoft.com/office/powerpoint/2010/main" val="3588721927"/>
+        <p14:creationId xmlns:p14="http://schemas.microsoft.com/office/powerpoint/2010/main" val="4025600078"/>
       </p:ext>
     </p:extLst>
   </p:cSld>
@@ -413,7 +413,7 @@
           <a:p>
             <a:fld id="{5629C5A4-9A65-F04C-9969-C59ECE88808C}" type="datetimeFigureOut">
               <a:rPr lang="de-DE"/>
-              <a:t>16.06.20</a:t>
+              <a:t>16.08.20</a:t>
             </a:fld>
             <a:endParaRPr lang="de-DE"/>
           </a:p>
@@ -464,7 +464,7 @@
     </p:spTree>
     <p:extLst>
       <p:ext uri="{BB962C8B-B14F-4D97-AF65-F5344CB8AC3E}">
-        <p14:creationId xmlns:p14="http://schemas.microsoft.com/office/powerpoint/2010/main" val="1276538968"/>
+        <p14:creationId xmlns:p14="http://schemas.microsoft.com/office/powerpoint/2010/main" val="3495175781"/>
       </p:ext>
     </p:extLst>
   </p:cSld>
@@ -503,8 +503,8 @@
         </p:nvSpPr>
         <p:spPr>
           <a:xfrm>
-            <a:off x="2001728" y="154333"/>
-            <a:ext cx="603141" cy="2456578"/>
+            <a:off x="3032131" y="154333"/>
+            <a:ext cx="913611" cy="2456578"/>
           </a:xfrm>
         </p:spPr>
         <p:txBody>
@@ -531,8 +531,8 @@
         </p:nvSpPr>
         <p:spPr>
           <a:xfrm>
-            <a:off x="192306" y="154333"/>
-            <a:ext cx="1774458" cy="2456578"/>
+            <a:off x="291297" y="154333"/>
+            <a:ext cx="2687871" cy="2456578"/>
           </a:xfrm>
         </p:spPr>
         <p:txBody>
@@ -593,7 +593,7 @@
           <a:p>
             <a:fld id="{5629C5A4-9A65-F04C-9969-C59ECE88808C}" type="datetimeFigureOut">
               <a:rPr lang="de-DE"/>
-              <a:t>16.06.20</a:t>
+              <a:t>16.08.20</a:t>
             </a:fld>
             <a:endParaRPr lang="de-DE"/>
           </a:p>
@@ -644,7 +644,7 @@
     </p:spTree>
     <p:extLst>
       <p:ext uri="{BB962C8B-B14F-4D97-AF65-F5344CB8AC3E}">
-        <p14:creationId xmlns:p14="http://schemas.microsoft.com/office/powerpoint/2010/main" val="4079938201"/>
+        <p14:creationId xmlns:p14="http://schemas.microsoft.com/office/powerpoint/2010/main" val="1243949122"/>
       </p:ext>
     </p:extLst>
   </p:cSld>
@@ -763,7 +763,7 @@
           <a:p>
             <a:fld id="{5629C5A4-9A65-F04C-9969-C59ECE88808C}" type="datetimeFigureOut">
               <a:rPr lang="de-DE"/>
-              <a:t>16.06.20</a:t>
+              <a:t>16.08.20</a:t>
             </a:fld>
             <a:endParaRPr lang="de-DE"/>
           </a:p>
@@ -814,7 +814,7 @@
     </p:spTree>
     <p:extLst>
       <p:ext uri="{BB962C8B-B14F-4D97-AF65-F5344CB8AC3E}">
-        <p14:creationId xmlns:p14="http://schemas.microsoft.com/office/powerpoint/2010/main" val="8460657"/>
+        <p14:creationId xmlns:p14="http://schemas.microsoft.com/office/powerpoint/2010/main" val="3716461654"/>
       </p:ext>
     </p:extLst>
   </p:cSld>
@@ -853,15 +853,15 @@
         </p:nvSpPr>
         <p:spPr>
           <a:xfrm>
-            <a:off x="190849" y="722681"/>
-            <a:ext cx="2412563" cy="1205810"/>
+            <a:off x="289090" y="722681"/>
+            <a:ext cx="3654445" cy="1205810"/>
           </a:xfrm>
         </p:spPr>
         <p:txBody>
           <a:bodyPr anchor="b"/>
           <a:lstStyle>
             <a:lvl1pPr>
-              <a:defRPr sz="1835"/>
+              <a:defRPr sz="2536"/>
             </a:lvl1pPr>
           </a:lstStyle>
           <a:p>
@@ -885,8 +885,8 @@
         </p:nvSpPr>
         <p:spPr>
           <a:xfrm>
-            <a:off x="190849" y="1939899"/>
-            <a:ext cx="2412563" cy="634107"/>
+            <a:off x="289090" y="1939899"/>
+            <a:ext cx="3654445" cy="634107"/>
           </a:xfrm>
         </p:spPr>
         <p:txBody>
@@ -894,15 +894,15 @@
           <a:lstStyle>
             <a:lvl1pPr marL="0" indent="0">
               <a:buNone/>
-              <a:defRPr sz="734">
+              <a:defRPr sz="1014">
                 <a:solidFill>
                   <a:schemeClr val="tx1"/>
                 </a:solidFill>
               </a:defRPr>
             </a:lvl1pPr>
-            <a:lvl2pPr marL="139857" indent="0">
-              <a:buNone/>
-              <a:defRPr sz="612">
+            <a:lvl2pPr marL="193258" indent="0">
+              <a:buNone/>
+              <a:defRPr sz="845">
                 <a:solidFill>
                   <a:schemeClr val="tx1">
                     <a:tint val="75000"/>
@@ -910,9 +910,9 @@
                 </a:solidFill>
               </a:defRPr>
             </a:lvl2pPr>
-            <a:lvl3pPr marL="279715" indent="0">
-              <a:buNone/>
-              <a:defRPr sz="551">
+            <a:lvl3pPr marL="386517" indent="0">
+              <a:buNone/>
+              <a:defRPr sz="761">
                 <a:solidFill>
                   <a:schemeClr val="tx1">
                     <a:tint val="75000"/>
@@ -920,9 +920,9 @@
                 </a:solidFill>
               </a:defRPr>
             </a:lvl3pPr>
-            <a:lvl4pPr marL="419572" indent="0">
-              <a:buNone/>
-              <a:defRPr sz="489">
+            <a:lvl4pPr marL="579775" indent="0">
+              <a:buNone/>
+              <a:defRPr sz="676">
                 <a:solidFill>
                   <a:schemeClr val="tx1">
                     <a:tint val="75000"/>
@@ -930,9 +930,9 @@
                 </a:solidFill>
               </a:defRPr>
             </a:lvl4pPr>
-            <a:lvl5pPr marL="559430" indent="0">
-              <a:buNone/>
-              <a:defRPr sz="489">
+            <a:lvl5pPr marL="773034" indent="0">
+              <a:buNone/>
+              <a:defRPr sz="676">
                 <a:solidFill>
                   <a:schemeClr val="tx1">
                     <a:tint val="75000"/>
@@ -940,9 +940,9 @@
                 </a:solidFill>
               </a:defRPr>
             </a:lvl5pPr>
-            <a:lvl6pPr marL="699287" indent="0">
-              <a:buNone/>
-              <a:defRPr sz="489">
+            <a:lvl6pPr marL="966292" indent="0">
+              <a:buNone/>
+              <a:defRPr sz="676">
                 <a:solidFill>
                   <a:schemeClr val="tx1">
                     <a:tint val="75000"/>
@@ -950,9 +950,9 @@
                 </a:solidFill>
               </a:defRPr>
             </a:lvl6pPr>
-            <a:lvl7pPr marL="839145" indent="0">
-              <a:buNone/>
-              <a:defRPr sz="489">
+            <a:lvl7pPr marL="1159551" indent="0">
+              <a:buNone/>
+              <a:defRPr sz="676">
                 <a:solidFill>
                   <a:schemeClr val="tx1">
                     <a:tint val="75000"/>
@@ -960,9 +960,9 @@
                 </a:solidFill>
               </a:defRPr>
             </a:lvl7pPr>
-            <a:lvl8pPr marL="979002" indent="0">
-              <a:buNone/>
-              <a:defRPr sz="489">
+            <a:lvl8pPr marL="1352809" indent="0">
+              <a:buNone/>
+              <a:defRPr sz="676">
                 <a:solidFill>
                   <a:schemeClr val="tx1">
                     <a:tint val="75000"/>
@@ -970,9 +970,9 @@
                 </a:solidFill>
               </a:defRPr>
             </a:lvl8pPr>
-            <a:lvl9pPr marL="1118860" indent="0">
-              <a:buNone/>
-              <a:defRPr sz="489">
+            <a:lvl9pPr marL="1546068" indent="0">
+              <a:buNone/>
+              <a:defRPr sz="676">
                 <a:solidFill>
                   <a:schemeClr val="tx1">
                     <a:tint val="75000"/>
@@ -1007,7 +1007,7 @@
           <a:p>
             <a:fld id="{5629C5A4-9A65-F04C-9969-C59ECE88808C}" type="datetimeFigureOut">
               <a:rPr lang="de-DE"/>
-              <a:t>16.06.20</a:t>
+              <a:t>16.08.20</a:t>
             </a:fld>
             <a:endParaRPr lang="de-DE"/>
           </a:p>
@@ -1058,7 +1058,7 @@
     </p:spTree>
     <p:extLst>
       <p:ext uri="{BB962C8B-B14F-4D97-AF65-F5344CB8AC3E}">
-        <p14:creationId xmlns:p14="http://schemas.microsoft.com/office/powerpoint/2010/main" val="127820961"/>
+        <p14:creationId xmlns:p14="http://schemas.microsoft.com/office/powerpoint/2010/main" val="142310046"/>
       </p:ext>
     </p:extLst>
   </p:cSld>
@@ -1120,8 +1120,8 @@
         </p:nvSpPr>
         <p:spPr>
           <a:xfrm>
-            <a:off x="192306" y="771665"/>
-            <a:ext cx="1188799" cy="1839246"/>
+            <a:off x="291296" y="771665"/>
+            <a:ext cx="1800741" cy="1839246"/>
           </a:xfrm>
         </p:spPr>
         <p:txBody>
@@ -1177,8 +1177,8 @@
         </p:nvSpPr>
         <p:spPr>
           <a:xfrm>
-            <a:off x="1416070" y="771665"/>
-            <a:ext cx="1188799" cy="1839246"/>
+            <a:off x="2145001" y="771665"/>
+            <a:ext cx="1800741" cy="1839246"/>
           </a:xfrm>
         </p:spPr>
         <p:txBody>
@@ -1239,7 +1239,7 @@
           <a:p>
             <a:fld id="{5629C5A4-9A65-F04C-9969-C59ECE88808C}" type="datetimeFigureOut">
               <a:rPr lang="de-DE"/>
-              <a:t>16.06.20</a:t>
+              <a:t>16.08.20</a:t>
             </a:fld>
             <a:endParaRPr lang="de-DE"/>
           </a:p>
@@ -1290,7 +1290,7 @@
     </p:spTree>
     <p:extLst>
       <p:ext uri="{BB962C8B-B14F-4D97-AF65-F5344CB8AC3E}">
-        <p14:creationId xmlns:p14="http://schemas.microsoft.com/office/powerpoint/2010/main" val="362909150"/>
+        <p14:creationId xmlns:p14="http://schemas.microsoft.com/office/powerpoint/2010/main" val="4241162043"/>
       </p:ext>
     </p:extLst>
   </p:cSld>
@@ -1329,8 +1329,8 @@
         </p:nvSpPr>
         <p:spPr>
           <a:xfrm>
-            <a:off x="192670" y="154333"/>
-            <a:ext cx="2412563" cy="560296"/>
+            <a:off x="291848" y="154333"/>
+            <a:ext cx="3654445" cy="560296"/>
           </a:xfrm>
         </p:spPr>
         <p:txBody>
@@ -1357,8 +1357,8 @@
         </p:nvSpPr>
         <p:spPr>
           <a:xfrm>
-            <a:off x="192670" y="710603"/>
-            <a:ext cx="1183336" cy="348255"/>
+            <a:off x="291849" y="710603"/>
+            <a:ext cx="1792465" cy="348255"/>
           </a:xfrm>
         </p:spPr>
         <p:txBody>
@@ -1366,39 +1366,39 @@
           <a:lstStyle>
             <a:lvl1pPr marL="0" indent="0">
               <a:buNone/>
-              <a:defRPr sz="734" b="1"/>
+              <a:defRPr sz="1014" b="1"/>
             </a:lvl1pPr>
-            <a:lvl2pPr marL="139857" indent="0">
-              <a:buNone/>
-              <a:defRPr sz="612" b="1"/>
+            <a:lvl2pPr marL="193258" indent="0">
+              <a:buNone/>
+              <a:defRPr sz="845" b="1"/>
             </a:lvl2pPr>
-            <a:lvl3pPr marL="279715" indent="0">
-              <a:buNone/>
-              <a:defRPr sz="551" b="1"/>
+            <a:lvl3pPr marL="386517" indent="0">
+              <a:buNone/>
+              <a:defRPr sz="761" b="1"/>
             </a:lvl3pPr>
-            <a:lvl4pPr marL="419572" indent="0">
-              <a:buNone/>
-              <a:defRPr sz="489" b="1"/>
+            <a:lvl4pPr marL="579775" indent="0">
+              <a:buNone/>
+              <a:defRPr sz="676" b="1"/>
             </a:lvl4pPr>
-            <a:lvl5pPr marL="559430" indent="0">
-              <a:buNone/>
-              <a:defRPr sz="489" b="1"/>
+            <a:lvl5pPr marL="773034" indent="0">
+              <a:buNone/>
+              <a:defRPr sz="676" b="1"/>
             </a:lvl5pPr>
-            <a:lvl6pPr marL="699287" indent="0">
-              <a:buNone/>
-              <a:defRPr sz="489" b="1"/>
+            <a:lvl6pPr marL="966292" indent="0">
+              <a:buNone/>
+              <a:defRPr sz="676" b="1"/>
             </a:lvl6pPr>
-            <a:lvl7pPr marL="839145" indent="0">
-              <a:buNone/>
-              <a:defRPr sz="489" b="1"/>
+            <a:lvl7pPr marL="1159551" indent="0">
+              <a:buNone/>
+              <a:defRPr sz="676" b="1"/>
             </a:lvl7pPr>
-            <a:lvl8pPr marL="979002" indent="0">
-              <a:buNone/>
-              <a:defRPr sz="489" b="1"/>
+            <a:lvl8pPr marL="1352809" indent="0">
+              <a:buNone/>
+              <a:defRPr sz="676" b="1"/>
             </a:lvl8pPr>
-            <a:lvl9pPr marL="1118860" indent="0">
-              <a:buNone/>
-              <a:defRPr sz="489" b="1"/>
+            <a:lvl9pPr marL="1546068" indent="0">
+              <a:buNone/>
+              <a:defRPr sz="676" b="1"/>
             </a:lvl9pPr>
           </a:lstStyle>
           <a:p>
@@ -1422,8 +1422,8 @@
         </p:nvSpPr>
         <p:spPr>
           <a:xfrm>
-            <a:off x="192670" y="1058858"/>
-            <a:ext cx="1183336" cy="1557421"/>
+            <a:off x="291849" y="1058858"/>
+            <a:ext cx="1792465" cy="1557421"/>
           </a:xfrm>
         </p:spPr>
         <p:txBody>
@@ -1479,8 +1479,8 @@
         </p:nvSpPr>
         <p:spPr>
           <a:xfrm>
-            <a:off x="1416070" y="710603"/>
-            <a:ext cx="1189164" cy="348255"/>
+            <a:off x="2145001" y="710603"/>
+            <a:ext cx="1801293" cy="348255"/>
           </a:xfrm>
         </p:spPr>
         <p:txBody>
@@ -1488,39 +1488,39 @@
           <a:lstStyle>
             <a:lvl1pPr marL="0" indent="0">
               <a:buNone/>
-              <a:defRPr sz="734" b="1"/>
+              <a:defRPr sz="1014" b="1"/>
             </a:lvl1pPr>
-            <a:lvl2pPr marL="139857" indent="0">
-              <a:buNone/>
-              <a:defRPr sz="612" b="1"/>
+            <a:lvl2pPr marL="193258" indent="0">
+              <a:buNone/>
+              <a:defRPr sz="845" b="1"/>
             </a:lvl2pPr>
-            <a:lvl3pPr marL="279715" indent="0">
-              <a:buNone/>
-              <a:defRPr sz="551" b="1"/>
+            <a:lvl3pPr marL="386517" indent="0">
+              <a:buNone/>
+              <a:defRPr sz="761" b="1"/>
             </a:lvl3pPr>
-            <a:lvl4pPr marL="419572" indent="0">
-              <a:buNone/>
-              <a:defRPr sz="489" b="1"/>
+            <a:lvl4pPr marL="579775" indent="0">
+              <a:buNone/>
+              <a:defRPr sz="676" b="1"/>
             </a:lvl4pPr>
-            <a:lvl5pPr marL="559430" indent="0">
-              <a:buNone/>
-              <a:defRPr sz="489" b="1"/>
+            <a:lvl5pPr marL="773034" indent="0">
+              <a:buNone/>
+              <a:defRPr sz="676" b="1"/>
             </a:lvl5pPr>
-            <a:lvl6pPr marL="699287" indent="0">
-              <a:buNone/>
-              <a:defRPr sz="489" b="1"/>
+            <a:lvl6pPr marL="966292" indent="0">
+              <a:buNone/>
+              <a:defRPr sz="676" b="1"/>
             </a:lvl6pPr>
-            <a:lvl7pPr marL="839145" indent="0">
-              <a:buNone/>
-              <a:defRPr sz="489" b="1"/>
+            <a:lvl7pPr marL="1159551" indent="0">
+              <a:buNone/>
+              <a:defRPr sz="676" b="1"/>
             </a:lvl7pPr>
-            <a:lvl8pPr marL="979002" indent="0">
-              <a:buNone/>
-              <a:defRPr sz="489" b="1"/>
+            <a:lvl8pPr marL="1352809" indent="0">
+              <a:buNone/>
+              <a:defRPr sz="676" b="1"/>
             </a:lvl8pPr>
-            <a:lvl9pPr marL="1118860" indent="0">
-              <a:buNone/>
-              <a:defRPr sz="489" b="1"/>
+            <a:lvl9pPr marL="1546068" indent="0">
+              <a:buNone/>
+              <a:defRPr sz="676" b="1"/>
             </a:lvl9pPr>
           </a:lstStyle>
           <a:p>
@@ -1544,8 +1544,8 @@
         </p:nvSpPr>
         <p:spPr>
           <a:xfrm>
-            <a:off x="1416070" y="1058858"/>
-            <a:ext cx="1189164" cy="1557421"/>
+            <a:off x="2145001" y="1058858"/>
+            <a:ext cx="1801293" cy="1557421"/>
           </a:xfrm>
         </p:spPr>
         <p:txBody>
@@ -1606,7 +1606,7 @@
           <a:p>
             <a:fld id="{5629C5A4-9A65-F04C-9969-C59ECE88808C}" type="datetimeFigureOut">
               <a:rPr lang="de-DE"/>
-              <a:t>16.06.20</a:t>
+              <a:t>16.08.20</a:t>
             </a:fld>
             <a:endParaRPr lang="de-DE"/>
           </a:p>
@@ -1657,7 +1657,7 @@
     </p:spTree>
     <p:extLst>
       <p:ext uri="{BB962C8B-B14F-4D97-AF65-F5344CB8AC3E}">
-        <p14:creationId xmlns:p14="http://schemas.microsoft.com/office/powerpoint/2010/main" val="3653695952"/>
+        <p14:creationId xmlns:p14="http://schemas.microsoft.com/office/powerpoint/2010/main" val="3485018419"/>
       </p:ext>
     </p:extLst>
   </p:cSld>
@@ -1724,7 +1724,7 @@
           <a:p>
             <a:fld id="{5629C5A4-9A65-F04C-9969-C59ECE88808C}" type="datetimeFigureOut">
               <a:rPr lang="de-DE"/>
-              <a:t>16.06.20</a:t>
+              <a:t>16.08.20</a:t>
             </a:fld>
             <a:endParaRPr lang="de-DE"/>
           </a:p>
@@ -1775,7 +1775,7 @@
     </p:spTree>
     <p:extLst>
       <p:ext uri="{BB962C8B-B14F-4D97-AF65-F5344CB8AC3E}">
-        <p14:creationId xmlns:p14="http://schemas.microsoft.com/office/powerpoint/2010/main" val="2767796026"/>
+        <p14:creationId xmlns:p14="http://schemas.microsoft.com/office/powerpoint/2010/main" val="441179556"/>
       </p:ext>
     </p:extLst>
   </p:cSld>
@@ -1819,7 +1819,7 @@
           <a:p>
             <a:fld id="{5629C5A4-9A65-F04C-9969-C59ECE88808C}" type="datetimeFigureOut">
               <a:rPr lang="de-DE"/>
-              <a:t>16.06.20</a:t>
+              <a:t>16.08.20</a:t>
             </a:fld>
             <a:endParaRPr lang="de-DE"/>
           </a:p>
@@ -1870,7 +1870,7 @@
     </p:spTree>
     <p:extLst>
       <p:ext uri="{BB962C8B-B14F-4D97-AF65-F5344CB8AC3E}">
-        <p14:creationId xmlns:p14="http://schemas.microsoft.com/office/powerpoint/2010/main" val="3612812771"/>
+        <p14:creationId xmlns:p14="http://schemas.microsoft.com/office/powerpoint/2010/main" val="904135591"/>
       </p:ext>
     </p:extLst>
   </p:cSld>
@@ -1909,15 +1909,15 @@
         </p:nvSpPr>
         <p:spPr>
           <a:xfrm>
-            <a:off x="192670" y="193252"/>
-            <a:ext cx="902162" cy="676381"/>
+            <a:off x="291848" y="193252"/>
+            <a:ext cx="1366555" cy="676381"/>
           </a:xfrm>
         </p:spPr>
         <p:txBody>
           <a:bodyPr anchor="b"/>
           <a:lstStyle>
             <a:lvl1pPr>
-              <a:defRPr sz="979"/>
+              <a:defRPr sz="1353"/>
             </a:lvl1pPr>
           </a:lstStyle>
           <a:p>
@@ -1941,39 +1941,39 @@
         </p:nvSpPr>
         <p:spPr>
           <a:xfrm>
-            <a:off x="1189164" y="417371"/>
-            <a:ext cx="1416070" cy="2060009"/>
+            <a:off x="1801293" y="417371"/>
+            <a:ext cx="2145000" cy="2060009"/>
           </a:xfrm>
         </p:spPr>
         <p:txBody>
           <a:bodyPr/>
           <a:lstStyle>
             <a:lvl1pPr>
-              <a:defRPr sz="979"/>
+              <a:defRPr sz="1353"/>
             </a:lvl1pPr>
             <a:lvl2pPr>
-              <a:defRPr sz="857"/>
+              <a:defRPr sz="1184"/>
             </a:lvl2pPr>
             <a:lvl3pPr>
-              <a:defRPr sz="734"/>
+              <a:defRPr sz="1014"/>
             </a:lvl3pPr>
             <a:lvl4pPr>
-              <a:defRPr sz="612"/>
+              <a:defRPr sz="845"/>
             </a:lvl4pPr>
             <a:lvl5pPr>
-              <a:defRPr sz="612"/>
+              <a:defRPr sz="845"/>
             </a:lvl5pPr>
             <a:lvl6pPr>
-              <a:defRPr sz="612"/>
+              <a:defRPr sz="845"/>
             </a:lvl6pPr>
             <a:lvl7pPr>
-              <a:defRPr sz="612"/>
+              <a:defRPr sz="845"/>
             </a:lvl7pPr>
             <a:lvl8pPr>
-              <a:defRPr sz="612"/>
+              <a:defRPr sz="845"/>
             </a:lvl8pPr>
             <a:lvl9pPr>
-              <a:defRPr sz="612"/>
+              <a:defRPr sz="845"/>
             </a:lvl9pPr>
           </a:lstStyle>
           <a:p>
@@ -2026,8 +2026,8 @@
         </p:nvSpPr>
         <p:spPr>
           <a:xfrm>
-            <a:off x="192670" y="869632"/>
-            <a:ext cx="902162" cy="1611102"/>
+            <a:off x="291848" y="869632"/>
+            <a:ext cx="1366555" cy="1611102"/>
           </a:xfrm>
         </p:spPr>
         <p:txBody>
@@ -2035,39 +2035,39 @@
           <a:lstStyle>
             <a:lvl1pPr marL="0" indent="0">
               <a:buNone/>
-              <a:defRPr sz="489"/>
+              <a:defRPr sz="676"/>
             </a:lvl1pPr>
-            <a:lvl2pPr marL="139857" indent="0">
-              <a:buNone/>
-              <a:defRPr sz="428"/>
+            <a:lvl2pPr marL="193258" indent="0">
+              <a:buNone/>
+              <a:defRPr sz="592"/>
             </a:lvl2pPr>
-            <a:lvl3pPr marL="279715" indent="0">
-              <a:buNone/>
-              <a:defRPr sz="367"/>
+            <a:lvl3pPr marL="386517" indent="0">
+              <a:buNone/>
+              <a:defRPr sz="507"/>
             </a:lvl3pPr>
-            <a:lvl4pPr marL="419572" indent="0">
-              <a:buNone/>
-              <a:defRPr sz="306"/>
+            <a:lvl4pPr marL="579775" indent="0">
+              <a:buNone/>
+              <a:defRPr sz="423"/>
             </a:lvl4pPr>
-            <a:lvl5pPr marL="559430" indent="0">
-              <a:buNone/>
-              <a:defRPr sz="306"/>
+            <a:lvl5pPr marL="773034" indent="0">
+              <a:buNone/>
+              <a:defRPr sz="423"/>
             </a:lvl5pPr>
-            <a:lvl6pPr marL="699287" indent="0">
-              <a:buNone/>
-              <a:defRPr sz="306"/>
+            <a:lvl6pPr marL="966292" indent="0">
+              <a:buNone/>
+              <a:defRPr sz="423"/>
             </a:lvl6pPr>
-            <a:lvl7pPr marL="839145" indent="0">
-              <a:buNone/>
-              <a:defRPr sz="306"/>
+            <a:lvl7pPr marL="1159551" indent="0">
+              <a:buNone/>
+              <a:defRPr sz="423"/>
             </a:lvl7pPr>
-            <a:lvl8pPr marL="979002" indent="0">
-              <a:buNone/>
-              <a:defRPr sz="306"/>
+            <a:lvl8pPr marL="1352809" indent="0">
+              <a:buNone/>
+              <a:defRPr sz="423"/>
             </a:lvl8pPr>
-            <a:lvl9pPr marL="1118860" indent="0">
-              <a:buNone/>
-              <a:defRPr sz="306"/>
+            <a:lvl9pPr marL="1546068" indent="0">
+              <a:buNone/>
+              <a:defRPr sz="423"/>
             </a:lvl9pPr>
           </a:lstStyle>
           <a:p>
@@ -2096,7 +2096,7 @@
           <a:p>
             <a:fld id="{5629C5A4-9A65-F04C-9969-C59ECE88808C}" type="datetimeFigureOut">
               <a:rPr lang="de-DE"/>
-              <a:t>16.06.20</a:t>
+              <a:t>16.08.20</a:t>
             </a:fld>
             <a:endParaRPr lang="de-DE"/>
           </a:p>
@@ -2147,7 +2147,7 @@
     </p:spTree>
     <p:extLst>
       <p:ext uri="{BB962C8B-B14F-4D97-AF65-F5344CB8AC3E}">
-        <p14:creationId xmlns:p14="http://schemas.microsoft.com/office/powerpoint/2010/main" val="3918958787"/>
+        <p14:creationId xmlns:p14="http://schemas.microsoft.com/office/powerpoint/2010/main" val="3534514764"/>
       </p:ext>
     </p:extLst>
   </p:cSld>
@@ -2186,15 +2186,15 @@
         </p:nvSpPr>
         <p:spPr>
           <a:xfrm>
-            <a:off x="192670" y="193252"/>
-            <a:ext cx="902162" cy="676381"/>
+            <a:off x="291848" y="193252"/>
+            <a:ext cx="1366555" cy="676381"/>
           </a:xfrm>
         </p:spPr>
         <p:txBody>
           <a:bodyPr anchor="b"/>
           <a:lstStyle>
             <a:lvl1pPr>
-              <a:defRPr sz="979"/>
+              <a:defRPr sz="1353"/>
             </a:lvl1pPr>
           </a:lstStyle>
           <a:p>
@@ -2218,8 +2218,8 @@
         </p:nvSpPr>
         <p:spPr>
           <a:xfrm>
-            <a:off x="1189164" y="417371"/>
-            <a:ext cx="1416070" cy="2060009"/>
+            <a:off x="1801293" y="417371"/>
+            <a:ext cx="2145000" cy="2060009"/>
           </a:xfrm>
         </p:spPr>
         <p:txBody>
@@ -2227,39 +2227,39 @@
           <a:lstStyle>
             <a:lvl1pPr marL="0" indent="0">
               <a:buNone/>
-              <a:defRPr sz="979"/>
+              <a:defRPr sz="1353"/>
             </a:lvl1pPr>
-            <a:lvl2pPr marL="139857" indent="0">
-              <a:buNone/>
-              <a:defRPr sz="857"/>
+            <a:lvl2pPr marL="193258" indent="0">
+              <a:buNone/>
+              <a:defRPr sz="1184"/>
             </a:lvl2pPr>
-            <a:lvl3pPr marL="279715" indent="0">
-              <a:buNone/>
-              <a:defRPr sz="734"/>
+            <a:lvl3pPr marL="386517" indent="0">
+              <a:buNone/>
+              <a:defRPr sz="1014"/>
             </a:lvl3pPr>
-            <a:lvl4pPr marL="419572" indent="0">
-              <a:buNone/>
-              <a:defRPr sz="612"/>
+            <a:lvl4pPr marL="579775" indent="0">
+              <a:buNone/>
+              <a:defRPr sz="845"/>
             </a:lvl4pPr>
-            <a:lvl5pPr marL="559430" indent="0">
-              <a:buNone/>
-              <a:defRPr sz="612"/>
+            <a:lvl5pPr marL="773034" indent="0">
+              <a:buNone/>
+              <a:defRPr sz="845"/>
             </a:lvl5pPr>
-            <a:lvl6pPr marL="699287" indent="0">
-              <a:buNone/>
-              <a:defRPr sz="612"/>
+            <a:lvl6pPr marL="966292" indent="0">
+              <a:buNone/>
+              <a:defRPr sz="845"/>
             </a:lvl6pPr>
-            <a:lvl7pPr marL="839145" indent="0">
-              <a:buNone/>
-              <a:defRPr sz="612"/>
+            <a:lvl7pPr marL="1159551" indent="0">
+              <a:buNone/>
+              <a:defRPr sz="845"/>
             </a:lvl7pPr>
-            <a:lvl8pPr marL="979002" indent="0">
-              <a:buNone/>
-              <a:defRPr sz="612"/>
+            <a:lvl8pPr marL="1352809" indent="0">
+              <a:buNone/>
+              <a:defRPr sz="845"/>
             </a:lvl8pPr>
-            <a:lvl9pPr marL="1118860" indent="0">
-              <a:buNone/>
-              <a:defRPr sz="612"/>
+            <a:lvl9pPr marL="1546068" indent="0">
+              <a:buNone/>
+              <a:defRPr sz="845"/>
             </a:lvl9pPr>
           </a:lstStyle>
           <a:p>
@@ -2283,8 +2283,8 @@
         </p:nvSpPr>
         <p:spPr>
           <a:xfrm>
-            <a:off x="192670" y="869632"/>
-            <a:ext cx="902162" cy="1611102"/>
+            <a:off x="291848" y="869632"/>
+            <a:ext cx="1366555" cy="1611102"/>
           </a:xfrm>
         </p:spPr>
         <p:txBody>
@@ -2292,39 +2292,39 @@
           <a:lstStyle>
             <a:lvl1pPr marL="0" indent="0">
               <a:buNone/>
-              <a:defRPr sz="489"/>
+              <a:defRPr sz="676"/>
             </a:lvl1pPr>
-            <a:lvl2pPr marL="139857" indent="0">
-              <a:buNone/>
-              <a:defRPr sz="428"/>
+            <a:lvl2pPr marL="193258" indent="0">
+              <a:buNone/>
+              <a:defRPr sz="592"/>
             </a:lvl2pPr>
-            <a:lvl3pPr marL="279715" indent="0">
-              <a:buNone/>
-              <a:defRPr sz="367"/>
+            <a:lvl3pPr marL="386517" indent="0">
+              <a:buNone/>
+              <a:defRPr sz="507"/>
             </a:lvl3pPr>
-            <a:lvl4pPr marL="419572" indent="0">
-              <a:buNone/>
-              <a:defRPr sz="306"/>
+            <a:lvl4pPr marL="579775" indent="0">
+              <a:buNone/>
+              <a:defRPr sz="423"/>
             </a:lvl4pPr>
-            <a:lvl5pPr marL="559430" indent="0">
-              <a:buNone/>
-              <a:defRPr sz="306"/>
+            <a:lvl5pPr marL="773034" indent="0">
+              <a:buNone/>
+              <a:defRPr sz="423"/>
             </a:lvl5pPr>
-            <a:lvl6pPr marL="699287" indent="0">
-              <a:buNone/>
-              <a:defRPr sz="306"/>
+            <a:lvl6pPr marL="966292" indent="0">
+              <a:buNone/>
+              <a:defRPr sz="423"/>
             </a:lvl6pPr>
-            <a:lvl7pPr marL="839145" indent="0">
-              <a:buNone/>
-              <a:defRPr sz="306"/>
+            <a:lvl7pPr marL="1159551" indent="0">
+              <a:buNone/>
+              <a:defRPr sz="423"/>
             </a:lvl7pPr>
-            <a:lvl8pPr marL="979002" indent="0">
-              <a:buNone/>
-              <a:defRPr sz="306"/>
+            <a:lvl8pPr marL="1352809" indent="0">
+              <a:buNone/>
+              <a:defRPr sz="423"/>
             </a:lvl8pPr>
-            <a:lvl9pPr marL="1118860" indent="0">
-              <a:buNone/>
-              <a:defRPr sz="306"/>
+            <a:lvl9pPr marL="1546068" indent="0">
+              <a:buNone/>
+              <a:defRPr sz="423"/>
             </a:lvl9pPr>
           </a:lstStyle>
           <a:p>
@@ -2353,7 +2353,7 @@
           <a:p>
             <a:fld id="{5629C5A4-9A65-F04C-9969-C59ECE88808C}" type="datetimeFigureOut">
               <a:rPr lang="de-DE"/>
-              <a:t>16.06.20</a:t>
+              <a:t>16.08.20</a:t>
             </a:fld>
             <a:endParaRPr lang="de-DE"/>
           </a:p>
@@ -2404,7 +2404,7 @@
     </p:spTree>
     <p:extLst>
       <p:ext uri="{BB962C8B-B14F-4D97-AF65-F5344CB8AC3E}">
-        <p14:creationId xmlns:p14="http://schemas.microsoft.com/office/powerpoint/2010/main" val="1888231159"/>
+        <p14:creationId xmlns:p14="http://schemas.microsoft.com/office/powerpoint/2010/main" val="416939601"/>
       </p:ext>
     </p:extLst>
   </p:cSld>
@@ -2448,8 +2448,8 @@
         </p:nvSpPr>
         <p:spPr>
           <a:xfrm>
-            <a:off x="192306" y="154333"/>
-            <a:ext cx="2412563" cy="560296"/>
+            <a:off x="291297" y="154333"/>
+            <a:ext cx="3654445" cy="560296"/>
           </a:xfrm>
           <a:prstGeom prst="rect">
             <a:avLst/>
@@ -2481,8 +2481,8 @@
         </p:nvSpPr>
         <p:spPr>
           <a:xfrm>
-            <a:off x="192306" y="771665"/>
-            <a:ext cx="2412563" cy="1839246"/>
+            <a:off x="291297" y="771665"/>
+            <a:ext cx="3654445" cy="1839246"/>
           </a:xfrm>
           <a:prstGeom prst="rect">
             <a:avLst/>
@@ -2543,8 +2543,8 @@
         </p:nvSpPr>
         <p:spPr>
           <a:xfrm>
-            <a:off x="192306" y="2686736"/>
-            <a:ext cx="629364" cy="154333"/>
+            <a:off x="291296" y="2686736"/>
+            <a:ext cx="953334" cy="154333"/>
           </a:xfrm>
           <a:prstGeom prst="rect">
             <a:avLst/>
@@ -2554,7 +2554,7 @@
           <a:bodyPr vert="horz" lIns="91440" tIns="45720" rIns="91440" bIns="45720" rtlCol="0" anchor="ctr"/>
           <a:lstStyle>
             <a:lvl1pPr algn="l">
-              <a:defRPr sz="367">
+              <a:defRPr sz="507">
                 <a:solidFill>
                   <a:schemeClr val="tx1">
                     <a:tint val="75000"/>
@@ -2566,7 +2566,7 @@
           <a:p>
             <a:fld id="{5629C5A4-9A65-F04C-9969-C59ECE88808C}" type="datetimeFigureOut">
               <a:rPr lang="de-DE"/>
-              <a:t>16.06.20</a:t>
+              <a:t>16.08.20</a:t>
             </a:fld>
             <a:endParaRPr lang="de-DE"/>
           </a:p>
@@ -2584,8 +2584,8 @@
         </p:nvSpPr>
         <p:spPr>
           <a:xfrm>
-            <a:off x="926564" y="2686736"/>
-            <a:ext cx="944047" cy="154333"/>
+            <a:off x="1403519" y="2686736"/>
+            <a:ext cx="1430000" cy="154333"/>
           </a:xfrm>
           <a:prstGeom prst="rect">
             <a:avLst/>
@@ -2595,7 +2595,7 @@
           <a:bodyPr vert="horz" lIns="91440" tIns="45720" rIns="91440" bIns="45720" rtlCol="0" anchor="ctr"/>
           <a:lstStyle>
             <a:lvl1pPr algn="ctr">
-              <a:defRPr sz="367">
+              <a:defRPr sz="507">
                 <a:solidFill>
                   <a:schemeClr val="tx1">
                     <a:tint val="75000"/>
@@ -2621,8 +2621,8 @@
         </p:nvSpPr>
         <p:spPr>
           <a:xfrm>
-            <a:off x="1975505" y="2686736"/>
-            <a:ext cx="629364" cy="154333"/>
+            <a:off x="2992408" y="2686736"/>
+            <a:ext cx="953334" cy="154333"/>
           </a:xfrm>
           <a:prstGeom prst="rect">
             <a:avLst/>
@@ -2632,7 +2632,7 @@
           <a:bodyPr vert="horz" lIns="91440" tIns="45720" rIns="91440" bIns="45720" rtlCol="0" anchor="ctr"/>
           <a:lstStyle>
             <a:lvl1pPr algn="r">
-              <a:defRPr sz="367">
+              <a:defRPr sz="507">
                 <a:solidFill>
                   <a:schemeClr val="tx1">
                     <a:tint val="75000"/>
@@ -2653,27 +2653,27 @@
     </p:spTree>
     <p:extLst>
       <p:ext uri="{BB962C8B-B14F-4D97-AF65-F5344CB8AC3E}">
-        <p14:creationId xmlns:p14="http://schemas.microsoft.com/office/powerpoint/2010/main" val="759800210"/>
+        <p14:creationId xmlns:p14="http://schemas.microsoft.com/office/powerpoint/2010/main" val="1278862821"/>
       </p:ext>
     </p:extLst>
   </p:cSld>
   <p:clrMap bg1="lt1" tx1="dk1" bg2="lt2" tx2="dk2" accent1="accent1" accent2="accent2" accent3="accent3" accent4="accent4" accent5="accent5" accent6="accent6" hlink="hlink" folHlink="folHlink"/>
   <p:sldLayoutIdLst>
-    <p:sldLayoutId id="2147483721" r:id="rId1"/>
-    <p:sldLayoutId id="2147483722" r:id="rId2"/>
-    <p:sldLayoutId id="2147483723" r:id="rId3"/>
-    <p:sldLayoutId id="2147483724" r:id="rId4"/>
-    <p:sldLayoutId id="2147483725" r:id="rId5"/>
-    <p:sldLayoutId id="2147483726" r:id="rId6"/>
-    <p:sldLayoutId id="2147483727" r:id="rId7"/>
-    <p:sldLayoutId id="2147483728" r:id="rId8"/>
-    <p:sldLayoutId id="2147483729" r:id="rId9"/>
-    <p:sldLayoutId id="2147483730" r:id="rId10"/>
-    <p:sldLayoutId id="2147483731" r:id="rId11"/>
+    <p:sldLayoutId id="2147483733" r:id="rId1"/>
+    <p:sldLayoutId id="2147483734" r:id="rId2"/>
+    <p:sldLayoutId id="2147483735" r:id="rId3"/>
+    <p:sldLayoutId id="2147483736" r:id="rId4"/>
+    <p:sldLayoutId id="2147483737" r:id="rId5"/>
+    <p:sldLayoutId id="2147483738" r:id="rId6"/>
+    <p:sldLayoutId id="2147483739" r:id="rId7"/>
+    <p:sldLayoutId id="2147483740" r:id="rId8"/>
+    <p:sldLayoutId id="2147483741" r:id="rId9"/>
+    <p:sldLayoutId id="2147483742" r:id="rId10"/>
+    <p:sldLayoutId id="2147483743" r:id="rId11"/>
   </p:sldLayoutIdLst>
   <p:txStyles>
     <p:titleStyle>
-      <a:lvl1pPr algn="l" defTabSz="279715" rtl="0" eaLnBrk="1" latinLnBrk="0" hangingPunct="1">
+      <a:lvl1pPr algn="l" defTabSz="386517" rtl="0" eaLnBrk="1" latinLnBrk="0" hangingPunct="1">
         <a:lnSpc>
           <a:spcPct val="90000"/>
         </a:lnSpc>
@@ -2681,7 +2681,7 @@
           <a:spcPct val="0"/>
         </a:spcBef>
         <a:buNone/>
-        <a:defRPr sz="1346" kern="1200">
+        <a:defRPr sz="1860" kern="1200">
           <a:solidFill>
             <a:schemeClr val="tx1"/>
           </a:solidFill>
@@ -2692,16 +2692,16 @@
       </a:lvl1pPr>
     </p:titleStyle>
     <p:bodyStyle>
-      <a:lvl1pPr marL="69929" indent="-69929" algn="l" defTabSz="279715" rtl="0" eaLnBrk="1" latinLnBrk="0" hangingPunct="1">
+      <a:lvl1pPr marL="96629" indent="-96629" algn="l" defTabSz="386517" rtl="0" eaLnBrk="1" latinLnBrk="0" hangingPunct="1">
         <a:lnSpc>
           <a:spcPct val="90000"/>
         </a:lnSpc>
         <a:spcBef>
-          <a:spcPts val="306"/>
+          <a:spcPts val="423"/>
         </a:spcBef>
         <a:buFont typeface="Arial" panose="020B0604020202020204" pitchFamily="34" charset="0"/>
         <a:buChar char="•"/>
-        <a:defRPr sz="857" kern="1200">
+        <a:defRPr sz="1184" kern="1200">
           <a:solidFill>
             <a:schemeClr val="tx1"/>
           </a:solidFill>
@@ -2710,16 +2710,16 @@
           <a:cs typeface="+mn-cs"/>
         </a:defRPr>
       </a:lvl1pPr>
-      <a:lvl2pPr marL="209786" indent="-69929" algn="l" defTabSz="279715" rtl="0" eaLnBrk="1" latinLnBrk="0" hangingPunct="1">
+      <a:lvl2pPr marL="289888" indent="-96629" algn="l" defTabSz="386517" rtl="0" eaLnBrk="1" latinLnBrk="0" hangingPunct="1">
         <a:lnSpc>
           <a:spcPct val="90000"/>
         </a:lnSpc>
         <a:spcBef>
-          <a:spcPts val="153"/>
+          <a:spcPts val="211"/>
         </a:spcBef>
         <a:buFont typeface="Arial" panose="020B0604020202020204" pitchFamily="34" charset="0"/>
         <a:buChar char="•"/>
-        <a:defRPr sz="734" kern="1200">
+        <a:defRPr sz="1014" kern="1200">
           <a:solidFill>
             <a:schemeClr val="tx1"/>
           </a:solidFill>
@@ -2728,16 +2728,16 @@
           <a:cs typeface="+mn-cs"/>
         </a:defRPr>
       </a:lvl2pPr>
-      <a:lvl3pPr marL="349644" indent="-69929" algn="l" defTabSz="279715" rtl="0" eaLnBrk="1" latinLnBrk="0" hangingPunct="1">
+      <a:lvl3pPr marL="483146" indent="-96629" algn="l" defTabSz="386517" rtl="0" eaLnBrk="1" latinLnBrk="0" hangingPunct="1">
         <a:lnSpc>
           <a:spcPct val="90000"/>
         </a:lnSpc>
         <a:spcBef>
-          <a:spcPts val="153"/>
+          <a:spcPts val="211"/>
         </a:spcBef>
         <a:buFont typeface="Arial" panose="020B0604020202020204" pitchFamily="34" charset="0"/>
         <a:buChar char="•"/>
-        <a:defRPr sz="612" kern="1200">
+        <a:defRPr sz="845" kern="1200">
           <a:solidFill>
             <a:schemeClr val="tx1"/>
           </a:solidFill>
@@ -2746,16 +2746,16 @@
           <a:cs typeface="+mn-cs"/>
         </a:defRPr>
       </a:lvl3pPr>
-      <a:lvl4pPr marL="489501" indent="-69929" algn="l" defTabSz="279715" rtl="0" eaLnBrk="1" latinLnBrk="0" hangingPunct="1">
+      <a:lvl4pPr marL="676405" indent="-96629" algn="l" defTabSz="386517" rtl="0" eaLnBrk="1" latinLnBrk="0" hangingPunct="1">
         <a:lnSpc>
           <a:spcPct val="90000"/>
         </a:lnSpc>
         <a:spcBef>
-          <a:spcPts val="153"/>
+          <a:spcPts val="211"/>
         </a:spcBef>
         <a:buFont typeface="Arial" panose="020B0604020202020204" pitchFamily="34" charset="0"/>
         <a:buChar char="•"/>
-        <a:defRPr sz="551" kern="1200">
+        <a:defRPr sz="761" kern="1200">
           <a:solidFill>
             <a:schemeClr val="tx1"/>
           </a:solidFill>
@@ -2764,16 +2764,16 @@
           <a:cs typeface="+mn-cs"/>
         </a:defRPr>
       </a:lvl4pPr>
-      <a:lvl5pPr marL="629359" indent="-69929" algn="l" defTabSz="279715" rtl="0" eaLnBrk="1" latinLnBrk="0" hangingPunct="1">
+      <a:lvl5pPr marL="869663" indent="-96629" algn="l" defTabSz="386517" rtl="0" eaLnBrk="1" latinLnBrk="0" hangingPunct="1">
         <a:lnSpc>
           <a:spcPct val="90000"/>
         </a:lnSpc>
         <a:spcBef>
-          <a:spcPts val="153"/>
+          <a:spcPts val="211"/>
         </a:spcBef>
         <a:buFont typeface="Arial" panose="020B0604020202020204" pitchFamily="34" charset="0"/>
         <a:buChar char="•"/>
-        <a:defRPr sz="551" kern="1200">
+        <a:defRPr sz="761" kern="1200">
           <a:solidFill>
             <a:schemeClr val="tx1"/>
           </a:solidFill>
@@ -2782,16 +2782,16 @@
           <a:cs typeface="+mn-cs"/>
         </a:defRPr>
       </a:lvl5pPr>
-      <a:lvl6pPr marL="769216" indent="-69929" algn="l" defTabSz="279715" rtl="0" eaLnBrk="1" latinLnBrk="0" hangingPunct="1">
+      <a:lvl6pPr marL="1062921" indent="-96629" algn="l" defTabSz="386517" rtl="0" eaLnBrk="1" latinLnBrk="0" hangingPunct="1">
         <a:lnSpc>
           <a:spcPct val="90000"/>
         </a:lnSpc>
         <a:spcBef>
-          <a:spcPts val="153"/>
+          <a:spcPts val="211"/>
         </a:spcBef>
         <a:buFont typeface="Arial" panose="020B0604020202020204" pitchFamily="34" charset="0"/>
         <a:buChar char="•"/>
-        <a:defRPr sz="551" kern="1200">
+        <a:defRPr sz="761" kern="1200">
           <a:solidFill>
             <a:schemeClr val="tx1"/>
           </a:solidFill>
@@ -2800,16 +2800,16 @@
           <a:cs typeface="+mn-cs"/>
         </a:defRPr>
       </a:lvl6pPr>
-      <a:lvl7pPr marL="909074" indent="-69929" algn="l" defTabSz="279715" rtl="0" eaLnBrk="1" latinLnBrk="0" hangingPunct="1">
+      <a:lvl7pPr marL="1256180" indent="-96629" algn="l" defTabSz="386517" rtl="0" eaLnBrk="1" latinLnBrk="0" hangingPunct="1">
         <a:lnSpc>
           <a:spcPct val="90000"/>
         </a:lnSpc>
         <a:spcBef>
-          <a:spcPts val="153"/>
+          <a:spcPts val="211"/>
         </a:spcBef>
         <a:buFont typeface="Arial" panose="020B0604020202020204" pitchFamily="34" charset="0"/>
         <a:buChar char="•"/>
-        <a:defRPr sz="551" kern="1200">
+        <a:defRPr sz="761" kern="1200">
           <a:solidFill>
             <a:schemeClr val="tx1"/>
           </a:solidFill>
@@ -2818,16 +2818,16 @@
           <a:cs typeface="+mn-cs"/>
         </a:defRPr>
       </a:lvl7pPr>
-      <a:lvl8pPr marL="1048931" indent="-69929" algn="l" defTabSz="279715" rtl="0" eaLnBrk="1" latinLnBrk="0" hangingPunct="1">
+      <a:lvl8pPr marL="1449438" indent="-96629" algn="l" defTabSz="386517" rtl="0" eaLnBrk="1" latinLnBrk="0" hangingPunct="1">
         <a:lnSpc>
           <a:spcPct val="90000"/>
         </a:lnSpc>
         <a:spcBef>
-          <a:spcPts val="153"/>
+          <a:spcPts val="211"/>
         </a:spcBef>
         <a:buFont typeface="Arial" panose="020B0604020202020204" pitchFamily="34" charset="0"/>
         <a:buChar char="•"/>
-        <a:defRPr sz="551" kern="1200">
+        <a:defRPr sz="761" kern="1200">
           <a:solidFill>
             <a:schemeClr val="tx1"/>
           </a:solidFill>
@@ -2836,16 +2836,16 @@
           <a:cs typeface="+mn-cs"/>
         </a:defRPr>
       </a:lvl8pPr>
-      <a:lvl9pPr marL="1188789" indent="-69929" algn="l" defTabSz="279715" rtl="0" eaLnBrk="1" latinLnBrk="0" hangingPunct="1">
+      <a:lvl9pPr marL="1642697" indent="-96629" algn="l" defTabSz="386517" rtl="0" eaLnBrk="1" latinLnBrk="0" hangingPunct="1">
         <a:lnSpc>
           <a:spcPct val="90000"/>
         </a:lnSpc>
         <a:spcBef>
-          <a:spcPts val="153"/>
+          <a:spcPts val="211"/>
         </a:spcBef>
         <a:buFont typeface="Arial" panose="020B0604020202020204" pitchFamily="34" charset="0"/>
         <a:buChar char="•"/>
-        <a:defRPr sz="551" kern="1200">
+        <a:defRPr sz="761" kern="1200">
           <a:solidFill>
             <a:schemeClr val="tx1"/>
           </a:solidFill>
@@ -2859,8 +2859,8 @@
       <a:defPPr>
         <a:defRPr lang="en-US"/>
       </a:defPPr>
-      <a:lvl1pPr marL="0" algn="l" defTabSz="279715" rtl="0" eaLnBrk="1" latinLnBrk="0" hangingPunct="1">
-        <a:defRPr sz="551" kern="1200">
+      <a:lvl1pPr marL="0" algn="l" defTabSz="386517" rtl="0" eaLnBrk="1" latinLnBrk="0" hangingPunct="1">
+        <a:defRPr sz="761" kern="1200">
           <a:solidFill>
             <a:schemeClr val="tx1"/>
           </a:solidFill>
@@ -2869,8 +2869,8 @@
           <a:cs typeface="+mn-cs"/>
         </a:defRPr>
       </a:lvl1pPr>
-      <a:lvl2pPr marL="139857" algn="l" defTabSz="279715" rtl="0" eaLnBrk="1" latinLnBrk="0" hangingPunct="1">
-        <a:defRPr sz="551" kern="1200">
+      <a:lvl2pPr marL="193258" algn="l" defTabSz="386517" rtl="0" eaLnBrk="1" latinLnBrk="0" hangingPunct="1">
+        <a:defRPr sz="761" kern="1200">
           <a:solidFill>
             <a:schemeClr val="tx1"/>
           </a:solidFill>
@@ -2879,8 +2879,8 @@
           <a:cs typeface="+mn-cs"/>
         </a:defRPr>
       </a:lvl2pPr>
-      <a:lvl3pPr marL="279715" algn="l" defTabSz="279715" rtl="0" eaLnBrk="1" latinLnBrk="0" hangingPunct="1">
-        <a:defRPr sz="551" kern="1200">
+      <a:lvl3pPr marL="386517" algn="l" defTabSz="386517" rtl="0" eaLnBrk="1" latinLnBrk="0" hangingPunct="1">
+        <a:defRPr sz="761" kern="1200">
           <a:solidFill>
             <a:schemeClr val="tx1"/>
           </a:solidFill>
@@ -2889,8 +2889,8 @@
           <a:cs typeface="+mn-cs"/>
         </a:defRPr>
       </a:lvl3pPr>
-      <a:lvl4pPr marL="419572" algn="l" defTabSz="279715" rtl="0" eaLnBrk="1" latinLnBrk="0" hangingPunct="1">
-        <a:defRPr sz="551" kern="1200">
+      <a:lvl4pPr marL="579775" algn="l" defTabSz="386517" rtl="0" eaLnBrk="1" latinLnBrk="0" hangingPunct="1">
+        <a:defRPr sz="761" kern="1200">
           <a:solidFill>
             <a:schemeClr val="tx1"/>
           </a:solidFill>
@@ -2899,8 +2899,8 @@
           <a:cs typeface="+mn-cs"/>
         </a:defRPr>
       </a:lvl4pPr>
-      <a:lvl5pPr marL="559430" algn="l" defTabSz="279715" rtl="0" eaLnBrk="1" latinLnBrk="0" hangingPunct="1">
-        <a:defRPr sz="551" kern="1200">
+      <a:lvl5pPr marL="773034" algn="l" defTabSz="386517" rtl="0" eaLnBrk="1" latinLnBrk="0" hangingPunct="1">
+        <a:defRPr sz="761" kern="1200">
           <a:solidFill>
             <a:schemeClr val="tx1"/>
           </a:solidFill>
@@ -2909,8 +2909,8 @@
           <a:cs typeface="+mn-cs"/>
         </a:defRPr>
       </a:lvl5pPr>
-      <a:lvl6pPr marL="699287" algn="l" defTabSz="279715" rtl="0" eaLnBrk="1" latinLnBrk="0" hangingPunct="1">
-        <a:defRPr sz="551" kern="1200">
+      <a:lvl6pPr marL="966292" algn="l" defTabSz="386517" rtl="0" eaLnBrk="1" latinLnBrk="0" hangingPunct="1">
+        <a:defRPr sz="761" kern="1200">
           <a:solidFill>
             <a:schemeClr val="tx1"/>
           </a:solidFill>
@@ -2919,8 +2919,8 @@
           <a:cs typeface="+mn-cs"/>
         </a:defRPr>
       </a:lvl6pPr>
-      <a:lvl7pPr marL="839145" algn="l" defTabSz="279715" rtl="0" eaLnBrk="1" latinLnBrk="0" hangingPunct="1">
-        <a:defRPr sz="551" kern="1200">
+      <a:lvl7pPr marL="1159551" algn="l" defTabSz="386517" rtl="0" eaLnBrk="1" latinLnBrk="0" hangingPunct="1">
+        <a:defRPr sz="761" kern="1200">
           <a:solidFill>
             <a:schemeClr val="tx1"/>
           </a:solidFill>
@@ -2929,8 +2929,8 @@
           <a:cs typeface="+mn-cs"/>
         </a:defRPr>
       </a:lvl7pPr>
-      <a:lvl8pPr marL="979002" algn="l" defTabSz="279715" rtl="0" eaLnBrk="1" latinLnBrk="0" hangingPunct="1">
-        <a:defRPr sz="551" kern="1200">
+      <a:lvl8pPr marL="1352809" algn="l" defTabSz="386517" rtl="0" eaLnBrk="1" latinLnBrk="0" hangingPunct="1">
+        <a:defRPr sz="761" kern="1200">
           <a:solidFill>
             <a:schemeClr val="tx1"/>
           </a:solidFill>
@@ -2939,8 +2939,8 @@
           <a:cs typeface="+mn-cs"/>
         </a:defRPr>
       </a:lvl8pPr>
-      <a:lvl9pPr marL="1118860" algn="l" defTabSz="279715" rtl="0" eaLnBrk="1" latinLnBrk="0" hangingPunct="1">
-        <a:defRPr sz="551" kern="1200">
+      <a:lvl9pPr marL="1546068" algn="l" defTabSz="386517" rtl="0" eaLnBrk="1" latinLnBrk="0" hangingPunct="1">
+        <a:defRPr sz="761" kern="1200">
           <a:solidFill>
             <a:schemeClr val="tx1"/>
           </a:solidFill>
@@ -2985,8 +2985,8 @@
         </p:nvSpPr>
         <p:spPr>
           <a:xfrm>
-            <a:off x="199732" y="308325"/>
-            <a:ext cx="1935809" cy="326675"/>
+            <a:off x="215760" y="248041"/>
+            <a:ext cx="3772344" cy="326675"/>
           </a:xfrm>
           <a:prstGeom prst="roundRect">
             <a:avLst/>
@@ -3024,14 +3024,13 @@
           </a:bodyPr>
           <a:lstStyle/>
           <a:p>
-            <a:pPr algn="ctr"/>
             <a:r>
               <a:rPr lang="de-DE" sz="1050">
                 <a:solidFill>
                   <a:schemeClr val="tx1"/>
                 </a:solidFill>
               </a:rPr>
-              <a:t>&lt;*&gt; Deleting instance files &lt;*&gt;</a:t>
+              <a:t>Took &lt;*&gt; seconds to the instance &lt;*&gt; on the hypervisor</a:t>
             </a:r>
           </a:p>
         </p:txBody>
@@ -3050,7 +3049,7 @@
         </p:nvSpPr>
         <p:spPr>
           <a:xfrm>
-            <a:off x="78161" y="100733"/>
+            <a:off x="175094" y="40449"/>
             <a:ext cx="1235058" cy="199699"/>
           </a:xfrm>
           <a:prstGeom prst="roundRect">
@@ -3114,8 +3113,8 @@
         </p:nvSpPr>
         <p:spPr>
           <a:xfrm>
-            <a:off x="199726" y="2466946"/>
-            <a:ext cx="2397723" cy="326675"/>
+            <a:off x="215752" y="2022854"/>
+            <a:ext cx="3772351" cy="326675"/>
           </a:xfrm>
           <a:prstGeom prst="roundRect">
             <a:avLst/>
@@ -3153,25 +3152,24 @@
           </a:bodyPr>
           <a:lstStyle/>
           <a:p>
-            <a:pPr algn="ctr"/>
             <a:r>
               <a:rPr lang="de-DE" sz="1050">
                 <a:solidFill>
                   <a:schemeClr val="tx1"/>
                 </a:solidFill>
               </a:rPr>
-              <a:t>&lt;*&gt; Deleting </a:t>
+              <a:t>Took &lt;*&gt; seconds to the instance &lt;*&gt; on the </a:t>
             </a:r>
             <a:r>
               <a:rPr lang="de-DE" sz="1050">
                 <a:solidFill>
-                  <a:schemeClr val="tx1"/>
+                  <a:schemeClr val="bg1"/>
                 </a:solidFill>
                 <a:highlight>
                   <a:srgbClr val="FF0000"/>
                 </a:highlight>
               </a:rPr>
-              <a:t>various</a:t>
+              <a:t>next</a:t>
             </a:r>
             <a:r>
               <a:rPr lang="de-DE" sz="1050">
@@ -3179,7 +3177,7 @@
                   <a:schemeClr val="tx1"/>
                 </a:solidFill>
               </a:rPr>
-              <a:t> instance files &lt;*&gt;</a:t>
+              <a:t> hypervisor</a:t>
             </a:r>
           </a:p>
         </p:txBody>
@@ -3198,8 +3196,8 @@
         </p:nvSpPr>
         <p:spPr>
           <a:xfrm>
-            <a:off x="199728" y="1024846"/>
-            <a:ext cx="1935813" cy="326676"/>
+            <a:off x="215753" y="839416"/>
+            <a:ext cx="3772351" cy="326676"/>
           </a:xfrm>
           <a:prstGeom prst="roundRect">
             <a:avLst/>
@@ -3237,14 +3235,13 @@
           </a:bodyPr>
           <a:lstStyle/>
           <a:p>
-            <a:pPr algn="ctr"/>
             <a:r>
               <a:rPr lang="de-DE" sz="1050">
                 <a:solidFill>
                   <a:schemeClr val="tx1"/>
                 </a:solidFill>
               </a:rPr>
-              <a:t>&lt;*&gt; Deleting instance files &lt;*&gt;</a:t>
+              <a:t>Took &lt;*&gt; seconds to the instance &lt;*&gt; on the hypervisor</a:t>
             </a:r>
           </a:p>
         </p:txBody>
@@ -3263,7 +3260,7 @@
         </p:nvSpPr>
         <p:spPr>
           <a:xfrm>
-            <a:off x="78161" y="819861"/>
+            <a:off x="175092" y="634432"/>
             <a:ext cx="1235058" cy="199699"/>
           </a:xfrm>
           <a:prstGeom prst="roundRect">
@@ -3327,7 +3324,7 @@
         </p:nvSpPr>
         <p:spPr>
           <a:xfrm>
-            <a:off x="78158" y="2260302"/>
+            <a:off x="175091" y="1816210"/>
             <a:ext cx="1235059" cy="199699"/>
           </a:xfrm>
           <a:prstGeom prst="roundRect">
@@ -3393,7 +3390,7 @@
         </p:nvCxnSpPr>
         <p:spPr>
           <a:xfrm>
-            <a:off x="1056638" y="1197765"/>
+            <a:off x="1672732" y="1008986"/>
             <a:ext cx="432830" cy="1217"/>
           </a:xfrm>
           <a:prstGeom prst="line">
@@ -3434,8 +3431,8 @@
         </p:nvSpPr>
         <p:spPr>
           <a:xfrm>
-            <a:off x="199726" y="1745987"/>
-            <a:ext cx="1935813" cy="326676"/>
+            <a:off x="215753" y="1430133"/>
+            <a:ext cx="3772351" cy="326676"/>
           </a:xfrm>
           <a:prstGeom prst="roundRect">
             <a:avLst/>
@@ -3473,14 +3470,13 @@
           </a:bodyPr>
           <a:lstStyle/>
           <a:p>
-            <a:pPr algn="ctr"/>
             <a:r>
               <a:rPr lang="de-DE" sz="1050">
                 <a:solidFill>
                   <a:schemeClr val="tx1"/>
                 </a:solidFill>
               </a:rPr>
-              <a:t>&lt;*&gt; Deleting </a:t>
+              <a:t>Took &lt;*&gt; seconds to the instance &lt;*&gt; on the </a:t>
             </a:r>
             <a:r>
               <a:rPr lang="de-DE" sz="1050">
@@ -3489,14 +3485,6 @@
                 </a:solidFill>
               </a:rPr>
               <a:t>object</a:t>
-            </a:r>
-            <a:r>
-              <a:rPr lang="de-DE" sz="1050">
-                <a:solidFill>
-                  <a:schemeClr val="tx1"/>
-                </a:solidFill>
-              </a:rPr>
-              <a:t> files &lt;*&gt;</a:t>
             </a:r>
           </a:p>
         </p:txBody>
@@ -3515,7 +3503,7 @@
         </p:nvSpPr>
         <p:spPr>
           <a:xfrm>
-            <a:off x="78159" y="1541174"/>
+            <a:off x="175092" y="1225321"/>
             <a:ext cx="1235058" cy="199699"/>
           </a:xfrm>
           <a:prstGeom prst="roundRect">
